--- a/Presentation/Presentation.pptx
+++ b/Presentation/Presentation.pptx
@@ -1823,7 +1823,7 @@
               <a:t>Optou-se pelo desenvolvimento de uma </a:t>
             </a:r>
             <a:r>
-              <a:rPr lang="pt-PT" sz="1100" i="1" dirty="0" err="1"/>
+              <a:rPr lang="pt-PT" sz="1100" i="1" dirty="0"/>
               <a:t>framework</a:t>
             </a:r>
             <a:r>
@@ -1831,7 +1831,7 @@
               <a:t> de </a:t>
             </a:r>
             <a:r>
-              <a:rPr lang="pt-PT" sz="1100" i="1" dirty="0" err="1"/>
+              <a:rPr lang="pt-PT" sz="1100" i="1" dirty="0"/>
               <a:t>AutoML</a:t>
             </a:r>
             <a:r>
@@ -1839,20 +1839,8 @@
               <a:t>, com o objetivo de obter o melhor modelo para problemas de </a:t>
             </a:r>
             <a:r>
-              <a:rPr lang="pt-PT" sz="1100" i="1" dirty="0" err="1"/>
-              <a:t>supervised</a:t>
-            </a:r>
-            <a:r>
               <a:rPr lang="pt-PT" sz="1100" i="1" dirty="0"/>
-              <a:t> </a:t>
-            </a:r>
-            <a:r>
-              <a:rPr lang="pt-PT" sz="1100" i="1" dirty="0" err="1"/>
-              <a:t>learning</a:t>
-            </a:r>
-            <a:r>
-              <a:rPr lang="pt-PT" sz="1100" i="1" dirty="0"/>
-              <a:t> </a:t>
+              <a:t>supervised learning </a:t>
             </a:r>
             <a:r>
               <a:rPr lang="pt-PT" sz="1100" dirty="0"/>
@@ -1896,7 +1884,7 @@
               <a:t>Optou-se pelo tema 2, por ser mais desafiador e por ter surgido inicialmente a ideia. Assim, começou o desenvolvimento da </a:t>
             </a:r>
             <a:r>
-              <a:rPr lang="pt-PT" i="1" dirty="0" err="1"/>
+              <a:rPr lang="pt-PT" i="1" dirty="0"/>
               <a:t>UnicornML</a:t>
             </a:r>
             <a:r>
@@ -2420,7 +2408,7 @@
               <a:t>A </a:t>
             </a:r>
             <a:r>
-              <a:rPr lang="pt-PT" sz="1100" i="1" dirty="0" err="1"/>
+              <a:rPr lang="pt-PT" sz="1100" i="1" dirty="0"/>
               <a:t>framework</a:t>
             </a:r>
             <a:r>
@@ -26973,23 +26961,7 @@
             </a:r>
             <a:r>
               <a:rPr lang="en" sz="1500" dirty="0"/>
-              <a:t> com o método da </a:t>
-            </a:r>
-            <a:r>
-              <a:rPr lang="en" sz="1500" dirty="0" err="1"/>
-              <a:t>otimização</a:t>
-            </a:r>
-            <a:r>
-              <a:rPr lang="en" sz="1500" dirty="0"/>
-              <a:t> </a:t>
-            </a:r>
-            <a:r>
-              <a:rPr lang="en" sz="1500" dirty="0" err="1"/>
-              <a:t>bayesiana</a:t>
-            </a:r>
-            <a:r>
-              <a:rPr lang="en" sz="1500" dirty="0"/>
-              <a:t>;</a:t>
+              <a:t> com o método da otimização bayesiana;</a:t>
             </a:r>
             <a:endParaRPr sz="1500" dirty="0"/>
           </a:p>
@@ -27026,23 +26998,7 @@
             </a:r>
             <a:r>
               <a:rPr lang="en" sz="1500" dirty="0"/>
-              <a:t> e </a:t>
-            </a:r>
-            <a:r>
-              <a:rPr lang="en" sz="1500" dirty="0" err="1"/>
-              <a:t>otimização</a:t>
-            </a:r>
-            <a:r>
-              <a:rPr lang="en" sz="1500" dirty="0"/>
-              <a:t> </a:t>
-            </a:r>
-            <a:r>
-              <a:rPr lang="en" sz="1500" dirty="0" err="1"/>
-              <a:t>bayesiana</a:t>
-            </a:r>
-            <a:r>
-              <a:rPr lang="en" sz="1500" dirty="0"/>
-              <a:t> através da biblioteca </a:t>
+              <a:t> e otimização bayesiana através da biblioteca </a:t>
             </a:r>
             <a:r>
               <a:rPr lang="en" sz="1500" i="1" dirty="0"/>
@@ -27128,10 +27084,10 @@
       </p:pic>
       <p:sp>
         <p:nvSpPr>
-          <p:cNvPr id="9" name="Google Shape;482;p15">
+          <p:cNvPr id="8" name="Google Shape;482;p15">
             <a:extLst>
               <a:ext uri="{FF2B5EF4-FFF2-40B4-BE49-F238E27FC236}">
-                <a16:creationId xmlns:a16="http://schemas.microsoft.com/office/drawing/2014/main" id="{CCC4D57D-1B15-1C4E-BAF8-B0F75D5EEBAD}"/>
+                <a16:creationId xmlns:a16="http://schemas.microsoft.com/office/drawing/2014/main" id="{6BE1A3ED-A733-4148-9D6D-234367D27E77}"/>
               </a:ext>
             </a:extLst>
           </p:cNvPr>
@@ -27142,8 +27098,8 @@
         </p:nvSpPr>
         <p:spPr>
           <a:xfrm>
-            <a:off x="-71562" y="283685"/>
-            <a:ext cx="2663686" cy="468600"/>
+            <a:off x="74659" y="283228"/>
+            <a:ext cx="3048249" cy="468600"/>
           </a:xfrm>
           <a:prstGeom prst="rect">
             <a:avLst/>
@@ -27406,14 +27362,13 @@
           </a:lstStyle>
           <a:p>
             <a:r>
-              <a:rPr lang="pt-PT"/>
+              <a:rPr lang="pt-PT" dirty="0"/>
               <a:t>AA2 | </a:t>
             </a:r>
             <a:r>
-              <a:rPr lang="pt-PT" i="1"/>
+              <a:rPr lang="pt-PT" i="1" dirty="0"/>
               <a:t>UnicornML</a:t>
             </a:r>
-            <a:endParaRPr lang="pt-PT" i="1" dirty="0"/>
           </a:p>
         </p:txBody>
       </p:sp>
@@ -27809,10 +27764,10 @@
       </p:pic>
       <p:sp>
         <p:nvSpPr>
-          <p:cNvPr id="10" name="Google Shape;482;p15">
+          <p:cNvPr id="9" name="Google Shape;482;p15">
             <a:extLst>
               <a:ext uri="{FF2B5EF4-FFF2-40B4-BE49-F238E27FC236}">
-                <a16:creationId xmlns:a16="http://schemas.microsoft.com/office/drawing/2014/main" id="{E41B0C69-934B-544B-827E-E4E753C4E02C}"/>
+                <a16:creationId xmlns:a16="http://schemas.microsoft.com/office/drawing/2014/main" id="{095F63D4-C143-9545-9455-CD002CD130E7}"/>
               </a:ext>
             </a:extLst>
           </p:cNvPr>
@@ -27823,8 +27778,8 @@
         </p:nvSpPr>
         <p:spPr>
           <a:xfrm>
-            <a:off x="-71562" y="283685"/>
-            <a:ext cx="2663686" cy="468600"/>
+            <a:off x="74659" y="283228"/>
+            <a:ext cx="3048249" cy="468600"/>
           </a:xfrm>
           <a:prstGeom prst="rect">
             <a:avLst/>
@@ -28087,14 +28042,13 @@
           </a:lstStyle>
           <a:p>
             <a:r>
-              <a:rPr lang="pt-PT"/>
+              <a:rPr lang="pt-PT" dirty="0"/>
               <a:t>AA2 | </a:t>
             </a:r>
             <a:r>
-              <a:rPr lang="pt-PT" i="1"/>
+              <a:rPr lang="pt-PT" i="1" dirty="0"/>
               <a:t>UnicornML</a:t>
             </a:r>
-            <a:endParaRPr lang="pt-PT" i="1" dirty="0"/>
           </a:p>
         </p:txBody>
       </p:sp>
@@ -28448,10 +28402,10 @@
       </p:sp>
       <p:sp>
         <p:nvSpPr>
-          <p:cNvPr id="9" name="Google Shape;482;p15">
+          <p:cNvPr id="8" name="Google Shape;482;p15">
             <a:extLst>
               <a:ext uri="{FF2B5EF4-FFF2-40B4-BE49-F238E27FC236}">
-                <a16:creationId xmlns:a16="http://schemas.microsoft.com/office/drawing/2014/main" id="{1756BCA2-B99A-9744-894A-180B0E27D167}"/>
+                <a16:creationId xmlns:a16="http://schemas.microsoft.com/office/drawing/2014/main" id="{393A7A93-348D-DC4B-AC69-2EE0590604E7}"/>
               </a:ext>
             </a:extLst>
           </p:cNvPr>
@@ -28462,8 +28416,8 @@
         </p:nvSpPr>
         <p:spPr>
           <a:xfrm>
-            <a:off x="-71562" y="283685"/>
-            <a:ext cx="2663686" cy="468600"/>
+            <a:off x="74659" y="283228"/>
+            <a:ext cx="3048249" cy="468600"/>
           </a:xfrm>
           <a:prstGeom prst="rect">
             <a:avLst/>
@@ -28726,14 +28680,13 @@
           </a:lstStyle>
           <a:p>
             <a:r>
-              <a:rPr lang="pt-PT"/>
+              <a:rPr lang="pt-PT" dirty="0"/>
               <a:t>AA2 | </a:t>
             </a:r>
             <a:r>
-              <a:rPr lang="pt-PT" i="1"/>
+              <a:rPr lang="pt-PT" i="1" dirty="0"/>
               <a:t>UnicornML</a:t>
             </a:r>
-            <a:endParaRPr lang="pt-PT" i="1" dirty="0"/>
           </a:p>
         </p:txBody>
       </p:sp>
@@ -28898,8 +28851,8 @@
         </p:nvSpPr>
         <p:spPr>
           <a:xfrm>
-            <a:off x="892450" y="2495075"/>
-            <a:ext cx="929400" cy="468600"/>
+            <a:off x="488840" y="2571750"/>
+            <a:ext cx="1542881" cy="468600"/>
           </a:xfrm>
           <a:prstGeom prst="rect">
             <a:avLst/>
@@ -28985,10 +28938,10 @@
       </p:pic>
       <p:sp>
         <p:nvSpPr>
-          <p:cNvPr id="12" name="Google Shape;482;p15">
+          <p:cNvPr id="9" name="Google Shape;482;p15">
             <a:extLst>
               <a:ext uri="{FF2B5EF4-FFF2-40B4-BE49-F238E27FC236}">
-                <a16:creationId xmlns:a16="http://schemas.microsoft.com/office/drawing/2014/main" id="{1E5246D0-A5F0-CD4E-92A7-D0CDA11EFB9C}"/>
+                <a16:creationId xmlns:a16="http://schemas.microsoft.com/office/drawing/2014/main" id="{6D85A41B-CDA7-F248-9C04-ED86098F47D9}"/>
               </a:ext>
             </a:extLst>
           </p:cNvPr>
@@ -28999,8 +28952,8 @@
         </p:nvSpPr>
         <p:spPr>
           <a:xfrm>
-            <a:off x="-71562" y="283685"/>
-            <a:ext cx="2663686" cy="468600"/>
+            <a:off x="74659" y="283228"/>
+            <a:ext cx="3048249" cy="468600"/>
           </a:xfrm>
           <a:prstGeom prst="rect">
             <a:avLst/>
@@ -29263,14 +29216,13 @@
           </a:lstStyle>
           <a:p>
             <a:r>
-              <a:rPr lang="pt-PT"/>
+              <a:rPr lang="pt-PT" dirty="0"/>
               <a:t>AA2 | </a:t>
             </a:r>
             <a:r>
-              <a:rPr lang="pt-PT" i="1"/>
+              <a:rPr lang="pt-PT" i="1" dirty="0"/>
               <a:t>UnicornML</a:t>
             </a:r>
-            <a:endParaRPr lang="pt-PT" i="1" dirty="0"/>
           </a:p>
         </p:txBody>
       </p:sp>
@@ -29423,56 +29375,6 @@
           </a:ln>
         </p:spPr>
       </p:pic>
-      <p:sp>
-        <p:nvSpPr>
-          <p:cNvPr id="636" name="Google Shape;636;p32"/>
-          <p:cNvSpPr txBox="1">
-            <a:spLocks noGrp="1"/>
-          </p:cNvSpPr>
-          <p:nvPr>
-            <p:ph type="title"/>
-          </p:nvPr>
-        </p:nvSpPr>
-        <p:spPr>
-          <a:xfrm>
-            <a:off x="892450" y="2495075"/>
-            <a:ext cx="929400" cy="468600"/>
-          </a:xfrm>
-          <a:prstGeom prst="rect">
-            <a:avLst/>
-          </a:prstGeom>
-        </p:spPr>
-        <p:txBody>
-          <a:bodyPr spcFirstLastPara="1" wrap="square" lIns="91425" tIns="91425" rIns="91425" bIns="91425" anchor="b" anchorCtr="0">
-            <a:noAutofit/>
-          </a:bodyPr>
-          <a:lstStyle/>
-          <a:p>
-            <a:pPr marL="0" lvl="0" indent="0" algn="ctr" rtl="0">
-              <a:spcBef>
-                <a:spcPts val="0"/>
-              </a:spcBef>
-              <a:spcAft>
-                <a:spcPts val="0"/>
-              </a:spcAft>
-              <a:buNone/>
-            </a:pPr>
-            <a:r>
-              <a:rPr lang="en" dirty="0">
-                <a:solidFill>
-                  <a:schemeClr val="accent2"/>
-                </a:solidFill>
-              </a:rPr>
-              <a:t>Teste 2</a:t>
-            </a:r>
-            <a:endParaRPr i="1" dirty="0">
-              <a:solidFill>
-                <a:schemeClr val="accent2"/>
-              </a:solidFill>
-            </a:endParaRPr>
-          </a:p>
-        </p:txBody>
-      </p:sp>
       <p:pic>
         <p:nvPicPr>
           <p:cNvPr id="2050" name="Picture 2">
@@ -29522,10 +29424,10 @@
       </p:pic>
       <p:sp>
         <p:nvSpPr>
-          <p:cNvPr id="13" name="Google Shape;482;p15">
+          <p:cNvPr id="10" name="Google Shape;627;p31">
             <a:extLst>
               <a:ext uri="{FF2B5EF4-FFF2-40B4-BE49-F238E27FC236}">
-                <a16:creationId xmlns:a16="http://schemas.microsoft.com/office/drawing/2014/main" id="{CFCED372-76B8-F34C-893F-46A026078689}"/>
+                <a16:creationId xmlns:a16="http://schemas.microsoft.com/office/drawing/2014/main" id="{6785DD6C-08B3-8E43-851F-3A1200B6B14D}"/>
               </a:ext>
             </a:extLst>
           </p:cNvPr>
@@ -29536,8 +29438,8 @@
         </p:nvSpPr>
         <p:spPr>
           <a:xfrm>
-            <a:off x="-71562" y="283685"/>
-            <a:ext cx="2663686" cy="468600"/>
+            <a:off x="488840" y="2571750"/>
+            <a:ext cx="1542881" cy="468600"/>
           </a:xfrm>
           <a:prstGeom prst="rect">
             <a:avLst/>
@@ -29800,14 +29702,308 @@
           </a:lstStyle>
           <a:p>
             <a:r>
-              <a:rPr lang="pt-PT"/>
+              <a:rPr lang="pt-PT" dirty="0">
+                <a:solidFill>
+                  <a:schemeClr val="accent2"/>
+                </a:solidFill>
+              </a:rPr>
+              <a:t>Teste 2</a:t>
+            </a:r>
+            <a:endParaRPr lang="pt-PT" i="1" dirty="0">
+              <a:solidFill>
+                <a:schemeClr val="accent2"/>
+              </a:solidFill>
+            </a:endParaRPr>
+          </a:p>
+        </p:txBody>
+      </p:sp>
+      <p:sp>
+        <p:nvSpPr>
+          <p:cNvPr id="8" name="Google Shape;482;p15">
+            <a:extLst>
+              <a:ext uri="{FF2B5EF4-FFF2-40B4-BE49-F238E27FC236}">
+                <a16:creationId xmlns:a16="http://schemas.microsoft.com/office/drawing/2014/main" id="{39C3EFC7-7A1D-134C-974B-D5B4A79C7810}"/>
+              </a:ext>
+            </a:extLst>
+          </p:cNvPr>
+          <p:cNvSpPr txBox="1">
+            <a:spLocks/>
+          </p:cNvSpPr>
+          <p:nvPr/>
+        </p:nvSpPr>
+        <p:spPr>
+          <a:xfrm>
+            <a:off x="74659" y="283228"/>
+            <a:ext cx="3048249" cy="468600"/>
+          </a:xfrm>
+          <a:prstGeom prst="rect">
+            <a:avLst/>
+          </a:prstGeom>
+          <a:noFill/>
+          <a:ln>
+            <a:noFill/>
+          </a:ln>
+        </p:spPr>
+        <p:txBody>
+          <a:bodyPr spcFirstLastPara="1" wrap="square" lIns="91425" tIns="91425" rIns="91425" bIns="91425" anchor="b" anchorCtr="0">
+            <a:noAutofit/>
+          </a:bodyPr>
+          <a:lstStyle>
+            <a:defPPr marR="0" lvl="0" algn="l" rtl="0">
+              <a:lnSpc>
+                <a:spcPct val="100000"/>
+              </a:lnSpc>
+              <a:spcBef>
+                <a:spcPts val="0"/>
+              </a:spcBef>
+              <a:spcAft>
+                <a:spcPts val="0"/>
+              </a:spcAft>
+            </a:defPPr>
+            <a:lvl1pPr marR="0" lvl="0" algn="ctr" rtl="0">
+              <a:lnSpc>
+                <a:spcPct val="100000"/>
+              </a:lnSpc>
+              <a:spcBef>
+                <a:spcPts val="0"/>
+              </a:spcBef>
+              <a:spcAft>
+                <a:spcPts val="0"/>
+              </a:spcAft>
+              <a:buClr>
+                <a:schemeClr val="accent1"/>
+              </a:buClr>
+              <a:buSzPts val="2000"/>
+              <a:buFont typeface="Oswald"/>
+              <a:buNone/>
+              <a:defRPr sz="2000" b="1" i="0" u="none" strike="noStrike" cap="none">
+                <a:solidFill>
+                  <a:schemeClr val="accent1"/>
+                </a:solidFill>
+                <a:latin typeface="Oswald"/>
+                <a:ea typeface="Oswald"/>
+                <a:cs typeface="Oswald"/>
+                <a:sym typeface="Oswald"/>
+              </a:defRPr>
+            </a:lvl1pPr>
+            <a:lvl2pPr marR="0" lvl="1" algn="ctr" rtl="0">
+              <a:lnSpc>
+                <a:spcPct val="100000"/>
+              </a:lnSpc>
+              <a:spcBef>
+                <a:spcPts val="0"/>
+              </a:spcBef>
+              <a:spcAft>
+                <a:spcPts val="0"/>
+              </a:spcAft>
+              <a:buClr>
+                <a:schemeClr val="accent1"/>
+              </a:buClr>
+              <a:buSzPts val="2000"/>
+              <a:buFont typeface="Oswald"/>
+              <a:buNone/>
+              <a:defRPr sz="2000" b="1" i="0" u="none" strike="noStrike" cap="none">
+                <a:solidFill>
+                  <a:schemeClr val="accent1"/>
+                </a:solidFill>
+                <a:latin typeface="Oswald"/>
+                <a:ea typeface="Oswald"/>
+                <a:cs typeface="Oswald"/>
+                <a:sym typeface="Oswald"/>
+              </a:defRPr>
+            </a:lvl2pPr>
+            <a:lvl3pPr marR="0" lvl="2" algn="ctr" rtl="0">
+              <a:lnSpc>
+                <a:spcPct val="100000"/>
+              </a:lnSpc>
+              <a:spcBef>
+                <a:spcPts val="0"/>
+              </a:spcBef>
+              <a:spcAft>
+                <a:spcPts val="0"/>
+              </a:spcAft>
+              <a:buClr>
+                <a:schemeClr val="accent1"/>
+              </a:buClr>
+              <a:buSzPts val="2000"/>
+              <a:buFont typeface="Oswald"/>
+              <a:buNone/>
+              <a:defRPr sz="2000" b="1" i="0" u="none" strike="noStrike" cap="none">
+                <a:solidFill>
+                  <a:schemeClr val="accent1"/>
+                </a:solidFill>
+                <a:latin typeface="Oswald"/>
+                <a:ea typeface="Oswald"/>
+                <a:cs typeface="Oswald"/>
+                <a:sym typeface="Oswald"/>
+              </a:defRPr>
+            </a:lvl3pPr>
+            <a:lvl4pPr marR="0" lvl="3" algn="ctr" rtl="0">
+              <a:lnSpc>
+                <a:spcPct val="100000"/>
+              </a:lnSpc>
+              <a:spcBef>
+                <a:spcPts val="0"/>
+              </a:spcBef>
+              <a:spcAft>
+                <a:spcPts val="0"/>
+              </a:spcAft>
+              <a:buClr>
+                <a:schemeClr val="accent1"/>
+              </a:buClr>
+              <a:buSzPts val="2000"/>
+              <a:buFont typeface="Oswald"/>
+              <a:buNone/>
+              <a:defRPr sz="2000" b="1" i="0" u="none" strike="noStrike" cap="none">
+                <a:solidFill>
+                  <a:schemeClr val="accent1"/>
+                </a:solidFill>
+                <a:latin typeface="Oswald"/>
+                <a:ea typeface="Oswald"/>
+                <a:cs typeface="Oswald"/>
+                <a:sym typeface="Oswald"/>
+              </a:defRPr>
+            </a:lvl4pPr>
+            <a:lvl5pPr marR="0" lvl="4" algn="ctr" rtl="0">
+              <a:lnSpc>
+                <a:spcPct val="100000"/>
+              </a:lnSpc>
+              <a:spcBef>
+                <a:spcPts val="0"/>
+              </a:spcBef>
+              <a:spcAft>
+                <a:spcPts val="0"/>
+              </a:spcAft>
+              <a:buClr>
+                <a:schemeClr val="accent1"/>
+              </a:buClr>
+              <a:buSzPts val="2000"/>
+              <a:buFont typeface="Oswald"/>
+              <a:buNone/>
+              <a:defRPr sz="2000" b="1" i="0" u="none" strike="noStrike" cap="none">
+                <a:solidFill>
+                  <a:schemeClr val="accent1"/>
+                </a:solidFill>
+                <a:latin typeface="Oswald"/>
+                <a:ea typeface="Oswald"/>
+                <a:cs typeface="Oswald"/>
+                <a:sym typeface="Oswald"/>
+              </a:defRPr>
+            </a:lvl5pPr>
+            <a:lvl6pPr marR="0" lvl="5" algn="ctr" rtl="0">
+              <a:lnSpc>
+                <a:spcPct val="100000"/>
+              </a:lnSpc>
+              <a:spcBef>
+                <a:spcPts val="0"/>
+              </a:spcBef>
+              <a:spcAft>
+                <a:spcPts val="0"/>
+              </a:spcAft>
+              <a:buClr>
+                <a:schemeClr val="accent1"/>
+              </a:buClr>
+              <a:buSzPts val="2000"/>
+              <a:buFont typeface="Oswald"/>
+              <a:buNone/>
+              <a:defRPr sz="2000" b="1" i="0" u="none" strike="noStrike" cap="none">
+                <a:solidFill>
+                  <a:schemeClr val="accent1"/>
+                </a:solidFill>
+                <a:latin typeface="Oswald"/>
+                <a:ea typeface="Oswald"/>
+                <a:cs typeface="Oswald"/>
+                <a:sym typeface="Oswald"/>
+              </a:defRPr>
+            </a:lvl6pPr>
+            <a:lvl7pPr marR="0" lvl="6" algn="ctr" rtl="0">
+              <a:lnSpc>
+                <a:spcPct val="100000"/>
+              </a:lnSpc>
+              <a:spcBef>
+                <a:spcPts val="0"/>
+              </a:spcBef>
+              <a:spcAft>
+                <a:spcPts val="0"/>
+              </a:spcAft>
+              <a:buClr>
+                <a:schemeClr val="accent1"/>
+              </a:buClr>
+              <a:buSzPts val="2000"/>
+              <a:buFont typeface="Oswald"/>
+              <a:buNone/>
+              <a:defRPr sz="2000" b="1" i="0" u="none" strike="noStrike" cap="none">
+                <a:solidFill>
+                  <a:schemeClr val="accent1"/>
+                </a:solidFill>
+                <a:latin typeface="Oswald"/>
+                <a:ea typeface="Oswald"/>
+                <a:cs typeface="Oswald"/>
+                <a:sym typeface="Oswald"/>
+              </a:defRPr>
+            </a:lvl7pPr>
+            <a:lvl8pPr marR="0" lvl="7" algn="ctr" rtl="0">
+              <a:lnSpc>
+                <a:spcPct val="100000"/>
+              </a:lnSpc>
+              <a:spcBef>
+                <a:spcPts val="0"/>
+              </a:spcBef>
+              <a:spcAft>
+                <a:spcPts val="0"/>
+              </a:spcAft>
+              <a:buClr>
+                <a:schemeClr val="accent1"/>
+              </a:buClr>
+              <a:buSzPts val="2000"/>
+              <a:buFont typeface="Oswald"/>
+              <a:buNone/>
+              <a:defRPr sz="2000" b="1" i="0" u="none" strike="noStrike" cap="none">
+                <a:solidFill>
+                  <a:schemeClr val="accent1"/>
+                </a:solidFill>
+                <a:latin typeface="Oswald"/>
+                <a:ea typeface="Oswald"/>
+                <a:cs typeface="Oswald"/>
+                <a:sym typeface="Oswald"/>
+              </a:defRPr>
+            </a:lvl8pPr>
+            <a:lvl9pPr marR="0" lvl="8" algn="ctr" rtl="0">
+              <a:lnSpc>
+                <a:spcPct val="100000"/>
+              </a:lnSpc>
+              <a:spcBef>
+                <a:spcPts val="0"/>
+              </a:spcBef>
+              <a:spcAft>
+                <a:spcPts val="0"/>
+              </a:spcAft>
+              <a:buClr>
+                <a:schemeClr val="accent1"/>
+              </a:buClr>
+              <a:buSzPts val="2000"/>
+              <a:buFont typeface="Oswald"/>
+              <a:buNone/>
+              <a:defRPr sz="2000" b="1" i="0" u="none" strike="noStrike" cap="none">
+                <a:solidFill>
+                  <a:schemeClr val="accent1"/>
+                </a:solidFill>
+                <a:latin typeface="Oswald"/>
+                <a:ea typeface="Oswald"/>
+                <a:cs typeface="Oswald"/>
+                <a:sym typeface="Oswald"/>
+              </a:defRPr>
+            </a:lvl9pPr>
+          </a:lstStyle>
+          <a:p>
+            <a:r>
+              <a:rPr lang="pt-PT" dirty="0"/>
               <a:t>AA2 | </a:t>
             </a:r>
             <a:r>
-              <a:rPr lang="pt-PT" i="1"/>
+              <a:rPr lang="pt-PT" i="1" dirty="0"/>
               <a:t>UnicornML</a:t>
             </a:r>
-            <a:endParaRPr lang="pt-PT" i="1" dirty="0"/>
           </a:p>
         </p:txBody>
       </p:sp>
@@ -30192,10 +30388,10 @@
       </p:pic>
       <p:sp>
         <p:nvSpPr>
-          <p:cNvPr id="10" name="Google Shape;482;p15">
+          <p:cNvPr id="9" name="Google Shape;482;p15">
             <a:extLst>
               <a:ext uri="{FF2B5EF4-FFF2-40B4-BE49-F238E27FC236}">
-                <a16:creationId xmlns:a16="http://schemas.microsoft.com/office/drawing/2014/main" id="{4B67AF9E-8F8D-5C4F-A485-E31D13584F57}"/>
+                <a16:creationId xmlns:a16="http://schemas.microsoft.com/office/drawing/2014/main" id="{7A6596BE-DD1C-E44E-95DF-A6BD5A787114}"/>
               </a:ext>
             </a:extLst>
           </p:cNvPr>
@@ -30206,8 +30402,8 @@
         </p:nvSpPr>
         <p:spPr>
           <a:xfrm>
-            <a:off x="-71562" y="283685"/>
-            <a:ext cx="2663686" cy="468600"/>
+            <a:off x="74659" y="283228"/>
+            <a:ext cx="3048249" cy="468600"/>
           </a:xfrm>
           <a:prstGeom prst="rect">
             <a:avLst/>
@@ -30470,14 +30666,13 @@
           </a:lstStyle>
           <a:p>
             <a:r>
-              <a:rPr lang="pt-PT"/>
+              <a:rPr lang="pt-PT" dirty="0"/>
               <a:t>AA2 | </a:t>
             </a:r>
             <a:r>
-              <a:rPr lang="pt-PT" i="1"/>
+              <a:rPr lang="pt-PT" i="1" dirty="0"/>
               <a:t>UnicornML</a:t>
             </a:r>
-            <a:endParaRPr lang="pt-PT" i="1" dirty="0"/>
           </a:p>
         </p:txBody>
       </p:sp>
@@ -30643,47 +30838,291 @@
       </p:sp>
       <p:sp>
         <p:nvSpPr>
-          <p:cNvPr id="482" name="Google Shape;482;p15"/>
+          <p:cNvPr id="6" name="Google Shape;482;p15">
+            <a:extLst>
+              <a:ext uri="{FF2B5EF4-FFF2-40B4-BE49-F238E27FC236}">
+                <a16:creationId xmlns:a16="http://schemas.microsoft.com/office/drawing/2014/main" id="{38452BB7-FAF8-1144-AF8E-C72DFD2675EB}"/>
+              </a:ext>
+            </a:extLst>
+          </p:cNvPr>
           <p:cNvSpPr txBox="1">
-            <a:spLocks noGrp="1"/>
+            <a:spLocks/>
           </p:cNvSpPr>
-          <p:nvPr>
-            <p:ph type="title" idx="4294967295"/>
-          </p:nvPr>
+          <p:nvPr/>
         </p:nvSpPr>
         <p:spPr>
           <a:xfrm>
-            <a:off x="-71562" y="283685"/>
-            <a:ext cx="2663686" cy="468600"/>
+            <a:off x="74659" y="283228"/>
+            <a:ext cx="3048249" cy="468600"/>
           </a:xfrm>
           <a:prstGeom prst="rect">
             <a:avLst/>
           </a:prstGeom>
+          <a:noFill/>
+          <a:ln>
+            <a:noFill/>
+          </a:ln>
         </p:spPr>
         <p:txBody>
           <a:bodyPr spcFirstLastPara="1" wrap="square" lIns="91425" tIns="91425" rIns="91425" bIns="91425" anchor="b" anchorCtr="0">
             <a:noAutofit/>
           </a:bodyPr>
-          <a:lstStyle/>
+          <a:lstStyle>
+            <a:defPPr marR="0" lvl="0" algn="l" rtl="0">
+              <a:lnSpc>
+                <a:spcPct val="100000"/>
+              </a:lnSpc>
+              <a:spcBef>
+                <a:spcPts val="0"/>
+              </a:spcBef>
+              <a:spcAft>
+                <a:spcPts val="0"/>
+              </a:spcAft>
+            </a:defPPr>
+            <a:lvl1pPr marR="0" lvl="0" algn="ctr" rtl="0">
+              <a:lnSpc>
+                <a:spcPct val="100000"/>
+              </a:lnSpc>
+              <a:spcBef>
+                <a:spcPts val="0"/>
+              </a:spcBef>
+              <a:spcAft>
+                <a:spcPts val="0"/>
+              </a:spcAft>
+              <a:buClr>
+                <a:schemeClr val="accent1"/>
+              </a:buClr>
+              <a:buSzPts val="2000"/>
+              <a:buFont typeface="Oswald"/>
+              <a:buNone/>
+              <a:defRPr sz="2000" b="1" i="0" u="none" strike="noStrike" cap="none">
+                <a:solidFill>
+                  <a:schemeClr val="accent1"/>
+                </a:solidFill>
+                <a:latin typeface="Oswald"/>
+                <a:ea typeface="Oswald"/>
+                <a:cs typeface="Oswald"/>
+                <a:sym typeface="Oswald"/>
+              </a:defRPr>
+            </a:lvl1pPr>
+            <a:lvl2pPr marR="0" lvl="1" algn="ctr" rtl="0">
+              <a:lnSpc>
+                <a:spcPct val="100000"/>
+              </a:lnSpc>
+              <a:spcBef>
+                <a:spcPts val="0"/>
+              </a:spcBef>
+              <a:spcAft>
+                <a:spcPts val="0"/>
+              </a:spcAft>
+              <a:buClr>
+                <a:schemeClr val="accent1"/>
+              </a:buClr>
+              <a:buSzPts val="2000"/>
+              <a:buFont typeface="Oswald"/>
+              <a:buNone/>
+              <a:defRPr sz="2000" b="1" i="0" u="none" strike="noStrike" cap="none">
+                <a:solidFill>
+                  <a:schemeClr val="accent1"/>
+                </a:solidFill>
+                <a:latin typeface="Oswald"/>
+                <a:ea typeface="Oswald"/>
+                <a:cs typeface="Oswald"/>
+                <a:sym typeface="Oswald"/>
+              </a:defRPr>
+            </a:lvl2pPr>
+            <a:lvl3pPr marR="0" lvl="2" algn="ctr" rtl="0">
+              <a:lnSpc>
+                <a:spcPct val="100000"/>
+              </a:lnSpc>
+              <a:spcBef>
+                <a:spcPts val="0"/>
+              </a:spcBef>
+              <a:spcAft>
+                <a:spcPts val="0"/>
+              </a:spcAft>
+              <a:buClr>
+                <a:schemeClr val="accent1"/>
+              </a:buClr>
+              <a:buSzPts val="2000"/>
+              <a:buFont typeface="Oswald"/>
+              <a:buNone/>
+              <a:defRPr sz="2000" b="1" i="0" u="none" strike="noStrike" cap="none">
+                <a:solidFill>
+                  <a:schemeClr val="accent1"/>
+                </a:solidFill>
+                <a:latin typeface="Oswald"/>
+                <a:ea typeface="Oswald"/>
+                <a:cs typeface="Oswald"/>
+                <a:sym typeface="Oswald"/>
+              </a:defRPr>
+            </a:lvl3pPr>
+            <a:lvl4pPr marR="0" lvl="3" algn="ctr" rtl="0">
+              <a:lnSpc>
+                <a:spcPct val="100000"/>
+              </a:lnSpc>
+              <a:spcBef>
+                <a:spcPts val="0"/>
+              </a:spcBef>
+              <a:spcAft>
+                <a:spcPts val="0"/>
+              </a:spcAft>
+              <a:buClr>
+                <a:schemeClr val="accent1"/>
+              </a:buClr>
+              <a:buSzPts val="2000"/>
+              <a:buFont typeface="Oswald"/>
+              <a:buNone/>
+              <a:defRPr sz="2000" b="1" i="0" u="none" strike="noStrike" cap="none">
+                <a:solidFill>
+                  <a:schemeClr val="accent1"/>
+                </a:solidFill>
+                <a:latin typeface="Oswald"/>
+                <a:ea typeface="Oswald"/>
+                <a:cs typeface="Oswald"/>
+                <a:sym typeface="Oswald"/>
+              </a:defRPr>
+            </a:lvl4pPr>
+            <a:lvl5pPr marR="0" lvl="4" algn="ctr" rtl="0">
+              <a:lnSpc>
+                <a:spcPct val="100000"/>
+              </a:lnSpc>
+              <a:spcBef>
+                <a:spcPts val="0"/>
+              </a:spcBef>
+              <a:spcAft>
+                <a:spcPts val="0"/>
+              </a:spcAft>
+              <a:buClr>
+                <a:schemeClr val="accent1"/>
+              </a:buClr>
+              <a:buSzPts val="2000"/>
+              <a:buFont typeface="Oswald"/>
+              <a:buNone/>
+              <a:defRPr sz="2000" b="1" i="0" u="none" strike="noStrike" cap="none">
+                <a:solidFill>
+                  <a:schemeClr val="accent1"/>
+                </a:solidFill>
+                <a:latin typeface="Oswald"/>
+                <a:ea typeface="Oswald"/>
+                <a:cs typeface="Oswald"/>
+                <a:sym typeface="Oswald"/>
+              </a:defRPr>
+            </a:lvl5pPr>
+            <a:lvl6pPr marR="0" lvl="5" algn="ctr" rtl="0">
+              <a:lnSpc>
+                <a:spcPct val="100000"/>
+              </a:lnSpc>
+              <a:spcBef>
+                <a:spcPts val="0"/>
+              </a:spcBef>
+              <a:spcAft>
+                <a:spcPts val="0"/>
+              </a:spcAft>
+              <a:buClr>
+                <a:schemeClr val="accent1"/>
+              </a:buClr>
+              <a:buSzPts val="2000"/>
+              <a:buFont typeface="Oswald"/>
+              <a:buNone/>
+              <a:defRPr sz="2000" b="1" i="0" u="none" strike="noStrike" cap="none">
+                <a:solidFill>
+                  <a:schemeClr val="accent1"/>
+                </a:solidFill>
+                <a:latin typeface="Oswald"/>
+                <a:ea typeface="Oswald"/>
+                <a:cs typeface="Oswald"/>
+                <a:sym typeface="Oswald"/>
+              </a:defRPr>
+            </a:lvl6pPr>
+            <a:lvl7pPr marR="0" lvl="6" algn="ctr" rtl="0">
+              <a:lnSpc>
+                <a:spcPct val="100000"/>
+              </a:lnSpc>
+              <a:spcBef>
+                <a:spcPts val="0"/>
+              </a:spcBef>
+              <a:spcAft>
+                <a:spcPts val="0"/>
+              </a:spcAft>
+              <a:buClr>
+                <a:schemeClr val="accent1"/>
+              </a:buClr>
+              <a:buSzPts val="2000"/>
+              <a:buFont typeface="Oswald"/>
+              <a:buNone/>
+              <a:defRPr sz="2000" b="1" i="0" u="none" strike="noStrike" cap="none">
+                <a:solidFill>
+                  <a:schemeClr val="accent1"/>
+                </a:solidFill>
+                <a:latin typeface="Oswald"/>
+                <a:ea typeface="Oswald"/>
+                <a:cs typeface="Oswald"/>
+                <a:sym typeface="Oswald"/>
+              </a:defRPr>
+            </a:lvl7pPr>
+            <a:lvl8pPr marR="0" lvl="7" algn="ctr" rtl="0">
+              <a:lnSpc>
+                <a:spcPct val="100000"/>
+              </a:lnSpc>
+              <a:spcBef>
+                <a:spcPts val="0"/>
+              </a:spcBef>
+              <a:spcAft>
+                <a:spcPts val="0"/>
+              </a:spcAft>
+              <a:buClr>
+                <a:schemeClr val="accent1"/>
+              </a:buClr>
+              <a:buSzPts val="2000"/>
+              <a:buFont typeface="Oswald"/>
+              <a:buNone/>
+              <a:defRPr sz="2000" b="1" i="0" u="none" strike="noStrike" cap="none">
+                <a:solidFill>
+                  <a:schemeClr val="accent1"/>
+                </a:solidFill>
+                <a:latin typeface="Oswald"/>
+                <a:ea typeface="Oswald"/>
+                <a:cs typeface="Oswald"/>
+                <a:sym typeface="Oswald"/>
+              </a:defRPr>
+            </a:lvl8pPr>
+            <a:lvl9pPr marR="0" lvl="8" algn="ctr" rtl="0">
+              <a:lnSpc>
+                <a:spcPct val="100000"/>
+              </a:lnSpc>
+              <a:spcBef>
+                <a:spcPts val="0"/>
+              </a:spcBef>
+              <a:spcAft>
+                <a:spcPts val="0"/>
+              </a:spcAft>
+              <a:buClr>
+                <a:schemeClr val="accent1"/>
+              </a:buClr>
+              <a:buSzPts val="2000"/>
+              <a:buFont typeface="Oswald"/>
+              <a:buNone/>
+              <a:defRPr sz="2000" b="1" i="0" u="none" strike="noStrike" cap="none">
+                <a:solidFill>
+                  <a:schemeClr val="accent1"/>
+                </a:solidFill>
+                <a:latin typeface="Oswald"/>
+                <a:ea typeface="Oswald"/>
+                <a:cs typeface="Oswald"/>
+                <a:sym typeface="Oswald"/>
+              </a:defRPr>
+            </a:lvl9pPr>
+          </a:lstStyle>
           <a:p>
-            <a:pPr marL="0" lvl="0" indent="0" algn="ctr" rtl="0">
-              <a:spcBef>
-                <a:spcPts val="0"/>
-              </a:spcBef>
-              <a:spcAft>
-                <a:spcPts val="0"/>
-              </a:spcAft>
-              <a:buNone/>
-            </a:pPr>
             <a:r>
-              <a:rPr lang="en" dirty="0"/>
+              <a:rPr lang="pt-PT" dirty="0"/>
               <a:t>AA2 | </a:t>
             </a:r>
             <a:r>
-              <a:rPr lang="en" i="1" dirty="0"/>
+              <a:rPr lang="pt-PT" i="1" dirty="0"/>
               <a:t>UnicornML</a:t>
             </a:r>
-            <a:endParaRPr i="1" dirty="0"/>
           </a:p>
         </p:txBody>
       </p:sp>
@@ -30910,10 +31349,10 @@
       </p:sp>
       <p:sp>
         <p:nvSpPr>
-          <p:cNvPr id="7" name="Google Shape;482;p15">
+          <p:cNvPr id="9" name="Google Shape;482;p15">
             <a:extLst>
               <a:ext uri="{FF2B5EF4-FFF2-40B4-BE49-F238E27FC236}">
-                <a16:creationId xmlns:a16="http://schemas.microsoft.com/office/drawing/2014/main" id="{266357E5-0B81-B543-AD17-FEA9B86D8896}"/>
+                <a16:creationId xmlns:a16="http://schemas.microsoft.com/office/drawing/2014/main" id="{9544B010-6671-6B49-A94C-FA46444D6A7C}"/>
               </a:ext>
             </a:extLst>
           </p:cNvPr>
@@ -30924,8 +31363,8 @@
         </p:nvSpPr>
         <p:spPr>
           <a:xfrm>
-            <a:off x="-71562" y="283685"/>
-            <a:ext cx="2663686" cy="468600"/>
+            <a:off x="74659" y="283228"/>
+            <a:ext cx="3048249" cy="468600"/>
           </a:xfrm>
           <a:prstGeom prst="rect">
             <a:avLst/>
@@ -31188,14 +31627,13 @@
           </a:lstStyle>
           <a:p>
             <a:r>
-              <a:rPr lang="pt-PT"/>
+              <a:rPr lang="pt-PT" dirty="0"/>
               <a:t>AA2 | </a:t>
             </a:r>
             <a:r>
-              <a:rPr lang="pt-PT" i="1"/>
+              <a:rPr lang="pt-PT" i="1" dirty="0"/>
               <a:t>UnicornML</a:t>
             </a:r>
-            <a:endParaRPr lang="pt-PT" i="1" dirty="0"/>
           </a:p>
         </p:txBody>
       </p:sp>
@@ -31522,10 +31960,10 @@
       </p:pic>
       <p:sp>
         <p:nvSpPr>
-          <p:cNvPr id="14" name="Google Shape;482;p15">
+          <p:cNvPr id="13" name="Google Shape;482;p15">
             <a:extLst>
               <a:ext uri="{FF2B5EF4-FFF2-40B4-BE49-F238E27FC236}">
-                <a16:creationId xmlns:a16="http://schemas.microsoft.com/office/drawing/2014/main" id="{4C689D7C-1E56-B84D-87CB-838C74232842}"/>
+                <a16:creationId xmlns:a16="http://schemas.microsoft.com/office/drawing/2014/main" id="{407DB606-0A16-C848-BC70-6FF5C697ABC4}"/>
               </a:ext>
             </a:extLst>
           </p:cNvPr>
@@ -31536,8 +31974,8 @@
         </p:nvSpPr>
         <p:spPr>
           <a:xfrm>
-            <a:off x="-71562" y="283685"/>
-            <a:ext cx="2663686" cy="468600"/>
+            <a:off x="74659" y="283228"/>
+            <a:ext cx="3048249" cy="468600"/>
           </a:xfrm>
           <a:prstGeom prst="rect">
             <a:avLst/>
@@ -31800,14 +32238,13 @@
           </a:lstStyle>
           <a:p>
             <a:r>
-              <a:rPr lang="pt-PT"/>
+              <a:rPr lang="pt-PT" dirty="0"/>
               <a:t>AA2 | </a:t>
             </a:r>
             <a:r>
-              <a:rPr lang="pt-PT" i="1"/>
+              <a:rPr lang="pt-PT" i="1" dirty="0"/>
               <a:t>UnicornML</a:t>
             </a:r>
-            <a:endParaRPr lang="pt-PT" i="1" dirty="0"/>
           </a:p>
         </p:txBody>
       </p:sp>
@@ -32184,10 +32621,10 @@
       </p:pic>
       <p:sp>
         <p:nvSpPr>
-          <p:cNvPr id="10" name="Google Shape;482;p15">
+          <p:cNvPr id="9" name="Google Shape;482;p15">
             <a:extLst>
               <a:ext uri="{FF2B5EF4-FFF2-40B4-BE49-F238E27FC236}">
-                <a16:creationId xmlns:a16="http://schemas.microsoft.com/office/drawing/2014/main" id="{B6F2B465-1E51-D149-934D-D82927F13CE4}"/>
+                <a16:creationId xmlns:a16="http://schemas.microsoft.com/office/drawing/2014/main" id="{4EE7F29C-9232-964E-AFB2-85B8D1EE6F6F}"/>
               </a:ext>
             </a:extLst>
           </p:cNvPr>
@@ -32198,8 +32635,8 @@
         </p:nvSpPr>
         <p:spPr>
           <a:xfrm>
-            <a:off x="-71562" y="283685"/>
-            <a:ext cx="2663686" cy="468600"/>
+            <a:off x="74659" y="283228"/>
+            <a:ext cx="3048249" cy="468600"/>
           </a:xfrm>
           <a:prstGeom prst="rect">
             <a:avLst/>
@@ -32462,14 +32899,13 @@
           </a:lstStyle>
           <a:p>
             <a:r>
-              <a:rPr lang="pt-PT"/>
+              <a:rPr lang="pt-PT" dirty="0"/>
               <a:t>AA2 | </a:t>
             </a:r>
             <a:r>
-              <a:rPr lang="pt-PT" i="1"/>
+              <a:rPr lang="pt-PT" i="1" dirty="0"/>
               <a:t>UnicornML</a:t>
             </a:r>
-            <a:endParaRPr lang="pt-PT" i="1" dirty="0"/>
           </a:p>
         </p:txBody>
       </p:sp>
@@ -32852,10 +33288,10 @@
       </p:pic>
       <p:sp>
         <p:nvSpPr>
-          <p:cNvPr id="10" name="Google Shape;482;p15">
+          <p:cNvPr id="9" name="Google Shape;482;p15">
             <a:extLst>
               <a:ext uri="{FF2B5EF4-FFF2-40B4-BE49-F238E27FC236}">
-                <a16:creationId xmlns:a16="http://schemas.microsoft.com/office/drawing/2014/main" id="{2F6E0B69-73E1-4142-A5B1-401C708650F3}"/>
+                <a16:creationId xmlns:a16="http://schemas.microsoft.com/office/drawing/2014/main" id="{BAA0CE42-D86F-484F-8E4C-CD6417B7EDAD}"/>
               </a:ext>
             </a:extLst>
           </p:cNvPr>
@@ -32866,8 +33302,8 @@
         </p:nvSpPr>
         <p:spPr>
           <a:xfrm>
-            <a:off x="-71562" y="283685"/>
-            <a:ext cx="2663686" cy="468600"/>
+            <a:off x="74659" y="283228"/>
+            <a:ext cx="3048249" cy="468600"/>
           </a:xfrm>
           <a:prstGeom prst="rect">
             <a:avLst/>
@@ -33130,14 +33566,13 @@
           </a:lstStyle>
           <a:p>
             <a:r>
-              <a:rPr lang="pt-PT"/>
+              <a:rPr lang="pt-PT" dirty="0"/>
               <a:t>AA2 | </a:t>
             </a:r>
             <a:r>
-              <a:rPr lang="pt-PT" i="1"/>
+              <a:rPr lang="pt-PT" i="1" dirty="0"/>
               <a:t>UnicornML</a:t>
             </a:r>
-            <a:endParaRPr lang="pt-PT" i="1" dirty="0"/>
           </a:p>
         </p:txBody>
       </p:sp>
@@ -33485,10 +33920,10 @@
       </p:pic>
       <p:sp>
         <p:nvSpPr>
-          <p:cNvPr id="14" name="Google Shape;482;p15">
+          <p:cNvPr id="11" name="Google Shape;482;p15">
             <a:extLst>
               <a:ext uri="{FF2B5EF4-FFF2-40B4-BE49-F238E27FC236}">
-                <a16:creationId xmlns:a16="http://schemas.microsoft.com/office/drawing/2014/main" id="{F475F01B-68E9-D644-9BCF-8B681B6BBE76}"/>
+                <a16:creationId xmlns:a16="http://schemas.microsoft.com/office/drawing/2014/main" id="{A9FE09B2-764F-084E-94FA-FEA39B5038F8}"/>
               </a:ext>
             </a:extLst>
           </p:cNvPr>
@@ -33499,8 +33934,8 @@
         </p:nvSpPr>
         <p:spPr>
           <a:xfrm>
-            <a:off x="-71562" y="283685"/>
-            <a:ext cx="2663686" cy="468600"/>
+            <a:off x="74659" y="283228"/>
+            <a:ext cx="3048249" cy="468600"/>
           </a:xfrm>
           <a:prstGeom prst="rect">
             <a:avLst/>
@@ -33763,14 +34198,13 @@
           </a:lstStyle>
           <a:p>
             <a:r>
-              <a:rPr lang="pt-PT"/>
+              <a:rPr lang="pt-PT" dirty="0"/>
               <a:t>AA2 | </a:t>
             </a:r>
             <a:r>
-              <a:rPr lang="pt-PT" i="1"/>
+              <a:rPr lang="pt-PT" i="1" dirty="0"/>
               <a:t>UnicornML</a:t>
             </a:r>
-            <a:endParaRPr lang="pt-PT" i="1" dirty="0"/>
           </a:p>
         </p:txBody>
       </p:sp>
@@ -34268,10 +34702,10 @@
       </p:pic>
       <p:sp>
         <p:nvSpPr>
-          <p:cNvPr id="10" name="Google Shape;482;p15">
+          <p:cNvPr id="9" name="Google Shape;482;p15">
             <a:extLst>
               <a:ext uri="{FF2B5EF4-FFF2-40B4-BE49-F238E27FC236}">
-                <a16:creationId xmlns:a16="http://schemas.microsoft.com/office/drawing/2014/main" id="{C9D4DB9D-41AE-6944-8919-0B1F27B47CDC}"/>
+                <a16:creationId xmlns:a16="http://schemas.microsoft.com/office/drawing/2014/main" id="{21996863-02FD-E041-8CFB-A718060A3524}"/>
               </a:ext>
             </a:extLst>
           </p:cNvPr>
@@ -34282,8 +34716,8 @@
         </p:nvSpPr>
         <p:spPr>
           <a:xfrm>
-            <a:off x="-71562" y="283685"/>
-            <a:ext cx="2663686" cy="468600"/>
+            <a:off x="74659" y="283228"/>
+            <a:ext cx="3048249" cy="468600"/>
           </a:xfrm>
           <a:prstGeom prst="rect">
             <a:avLst/>
@@ -34546,14 +34980,13 @@
           </a:lstStyle>
           <a:p>
             <a:r>
-              <a:rPr lang="pt-PT"/>
+              <a:rPr lang="pt-PT" dirty="0"/>
               <a:t>AA2 | </a:t>
             </a:r>
             <a:r>
-              <a:rPr lang="pt-PT" i="1"/>
+              <a:rPr lang="pt-PT" i="1" dirty="0"/>
               <a:t>UnicornML</a:t>
             </a:r>
-            <a:endParaRPr lang="pt-PT" i="1" dirty="0"/>
           </a:p>
         </p:txBody>
       </p:sp>
@@ -34991,7 +35424,7 @@
           <p:cNvPr id="10" name="Google Shape;482;p15">
             <a:extLst>
               <a:ext uri="{FF2B5EF4-FFF2-40B4-BE49-F238E27FC236}">
-                <a16:creationId xmlns:a16="http://schemas.microsoft.com/office/drawing/2014/main" id="{E44A39F7-0D6C-9C4E-A9B1-B96C557FDEBF}"/>
+                <a16:creationId xmlns:a16="http://schemas.microsoft.com/office/drawing/2014/main" id="{56A8BDAB-6207-C447-97E7-7864407D5A29}"/>
               </a:ext>
             </a:extLst>
           </p:cNvPr>
@@ -35002,8 +35435,8 @@
         </p:nvSpPr>
         <p:spPr>
           <a:xfrm>
-            <a:off x="-71562" y="283685"/>
-            <a:ext cx="2663686" cy="468600"/>
+            <a:off x="74659" y="283228"/>
+            <a:ext cx="3048249" cy="468600"/>
           </a:xfrm>
           <a:prstGeom prst="rect">
             <a:avLst/>
@@ -35266,14 +35699,13 @@
           </a:lstStyle>
           <a:p>
             <a:r>
-              <a:rPr lang="pt-PT"/>
+              <a:rPr lang="pt-PT" dirty="0"/>
               <a:t>AA2 | </a:t>
             </a:r>
             <a:r>
-              <a:rPr lang="pt-PT" i="1"/>
+              <a:rPr lang="pt-PT" i="1" dirty="0"/>
               <a:t>UnicornML</a:t>
             </a:r>
-            <a:endParaRPr lang="pt-PT" i="1" dirty="0"/>
           </a:p>
         </p:txBody>
       </p:sp>

--- a/Presentation/Presentation.pptx
+++ b/Presentation/Presentation.pptx
@@ -2742,7 +2742,15 @@
             </a:r>
             <a:r>
               <a:rPr lang="en" dirty="0"/>
-              <a:t> (Local outlier factor ) do scikit-learn. It measures the local deviation of density of a given sample with respect to its neighbors</a:t>
+              <a:t> (Local </a:t>
+            </a:r>
+            <a:r>
+              <a:rPr lang="en"/>
+              <a:t>outlier factor) </a:t>
+            </a:r>
+            <a:r>
+              <a:rPr lang="en" dirty="0"/>
+              <a:t>do scikit-learn. It measures the local deviation of density of a given sample with respect to its neighbors</a:t>
             </a:r>
             <a:endParaRPr dirty="0"/>
           </a:p>
